--- a/修論/本文0117/figure/fig_3_1_10QW_broadcontact_Jth.pptx
+++ b/修論/本文0117/figure/fig_3_1_10QW_broadcontact_Jth.pptx
@@ -270,7 +270,7 @@
           <a:p>
             <a:fld id="{2921519D-86BB-414E-9FF5-E7DCE9E22D90}" type="datetimeFigureOut">
               <a:rPr kumimoji="1" lang="ja-JP" altLang="en-US" smtClean="0"/>
-              <a:t>2018/12/18</a:t>
+              <a:t>2019/1/26</a:t>
             </a:fld>
             <a:endParaRPr kumimoji="1" lang="ja-JP" altLang="en-US"/>
           </a:p>
@@ -500,7 +500,7 @@
           <a:p>
             <a:fld id="{2921519D-86BB-414E-9FF5-E7DCE9E22D90}" type="datetimeFigureOut">
               <a:rPr kumimoji="1" lang="ja-JP" altLang="en-US" smtClean="0"/>
-              <a:t>2018/12/18</a:t>
+              <a:t>2019/1/26</a:t>
             </a:fld>
             <a:endParaRPr kumimoji="1" lang="ja-JP" altLang="en-US"/>
           </a:p>
@@ -740,7 +740,7 @@
           <a:p>
             <a:fld id="{2921519D-86BB-414E-9FF5-E7DCE9E22D90}" type="datetimeFigureOut">
               <a:rPr kumimoji="1" lang="ja-JP" altLang="en-US" smtClean="0"/>
-              <a:t>2018/12/18</a:t>
+              <a:t>2019/1/26</a:t>
             </a:fld>
             <a:endParaRPr kumimoji="1" lang="ja-JP" altLang="en-US"/>
           </a:p>
@@ -970,7 +970,7 @@
           <a:p>
             <a:fld id="{2921519D-86BB-414E-9FF5-E7DCE9E22D90}" type="datetimeFigureOut">
               <a:rPr kumimoji="1" lang="ja-JP" altLang="en-US" smtClean="0"/>
-              <a:t>2018/12/18</a:t>
+              <a:t>2019/1/26</a:t>
             </a:fld>
             <a:endParaRPr kumimoji="1" lang="ja-JP" altLang="en-US"/>
           </a:p>
@@ -1245,7 +1245,7 @@
           <a:p>
             <a:fld id="{2921519D-86BB-414E-9FF5-E7DCE9E22D90}" type="datetimeFigureOut">
               <a:rPr kumimoji="1" lang="ja-JP" altLang="en-US" smtClean="0"/>
-              <a:t>2018/12/18</a:t>
+              <a:t>2019/1/26</a:t>
             </a:fld>
             <a:endParaRPr kumimoji="1" lang="ja-JP" altLang="en-US"/>
           </a:p>
@@ -1574,7 +1574,7 @@
           <a:p>
             <a:fld id="{2921519D-86BB-414E-9FF5-E7DCE9E22D90}" type="datetimeFigureOut">
               <a:rPr kumimoji="1" lang="ja-JP" altLang="en-US" smtClean="0"/>
-              <a:t>2018/12/18</a:t>
+              <a:t>2019/1/26</a:t>
             </a:fld>
             <a:endParaRPr kumimoji="1" lang="ja-JP" altLang="en-US"/>
           </a:p>
@@ -2050,7 +2050,7 @@
           <a:p>
             <a:fld id="{2921519D-86BB-414E-9FF5-E7DCE9E22D90}" type="datetimeFigureOut">
               <a:rPr kumimoji="1" lang="ja-JP" altLang="en-US" smtClean="0"/>
-              <a:t>2018/12/18</a:t>
+              <a:t>2019/1/26</a:t>
             </a:fld>
             <a:endParaRPr kumimoji="1" lang="ja-JP" altLang="en-US"/>
           </a:p>
@@ -2191,7 +2191,7 @@
           <a:p>
             <a:fld id="{2921519D-86BB-414E-9FF5-E7DCE9E22D90}" type="datetimeFigureOut">
               <a:rPr kumimoji="1" lang="ja-JP" altLang="en-US" smtClean="0"/>
-              <a:t>2018/12/18</a:t>
+              <a:t>2019/1/26</a:t>
             </a:fld>
             <a:endParaRPr kumimoji="1" lang="ja-JP" altLang="en-US"/>
           </a:p>
@@ -2304,7 +2304,7 @@
           <a:p>
             <a:fld id="{2921519D-86BB-414E-9FF5-E7DCE9E22D90}" type="datetimeFigureOut">
               <a:rPr kumimoji="1" lang="ja-JP" altLang="en-US" smtClean="0"/>
-              <a:t>2018/12/18</a:t>
+              <a:t>2019/1/26</a:t>
             </a:fld>
             <a:endParaRPr kumimoji="1" lang="ja-JP" altLang="en-US"/>
           </a:p>
@@ -2647,7 +2647,7 @@
           <a:p>
             <a:fld id="{2921519D-86BB-414E-9FF5-E7DCE9E22D90}" type="datetimeFigureOut">
               <a:rPr kumimoji="1" lang="ja-JP" altLang="en-US" smtClean="0"/>
-              <a:t>2018/12/18</a:t>
+              <a:t>2019/1/26</a:t>
             </a:fld>
             <a:endParaRPr kumimoji="1" lang="ja-JP" altLang="en-US"/>
           </a:p>
@@ -2935,7 +2935,7 @@
           <a:p>
             <a:fld id="{2921519D-86BB-414E-9FF5-E7DCE9E22D90}" type="datetimeFigureOut">
               <a:rPr kumimoji="1" lang="ja-JP" altLang="en-US" smtClean="0"/>
-              <a:t>2018/12/18</a:t>
+              <a:t>2019/1/26</a:t>
             </a:fld>
             <a:endParaRPr kumimoji="1" lang="ja-JP" altLang="en-US"/>
           </a:p>
@@ -3208,7 +3208,7 @@
           <a:p>
             <a:fld id="{2921519D-86BB-414E-9FF5-E7DCE9E22D90}" type="datetimeFigureOut">
               <a:rPr kumimoji="1" lang="ja-JP" altLang="en-US" smtClean="0"/>
-              <a:t>2018/12/18</a:t>
+              <a:t>2019/1/26</a:t>
             </a:fld>
             <a:endParaRPr kumimoji="1" lang="ja-JP" altLang="en-US"/>
           </a:p>
@@ -3627,10 +3627,10 @@
       </p:grpSpPr>
       <p:pic>
         <p:nvPicPr>
-          <p:cNvPr id="3" name="図 2">
-            <a:extLst>
-              <a:ext uri="{FF2B5EF4-FFF2-40B4-BE49-F238E27FC236}">
-                <a16:creationId xmlns:a16="http://schemas.microsoft.com/office/drawing/2014/main" id="{5810DF52-14F7-4196-BAEF-12850E4B6523}"/>
+          <p:cNvPr id="2" name="図 1">
+            <a:extLst>
+              <a:ext uri="{FF2B5EF4-FFF2-40B4-BE49-F238E27FC236}">
+                <a16:creationId xmlns:a16="http://schemas.microsoft.com/office/drawing/2014/main" id="{D2CB3993-DAFD-4227-A0C8-21EFAAD4428B}"/>
               </a:ext>
             </a:extLst>
           </p:cNvPr>
@@ -3647,7 +3647,7 @@
         </p:blipFill>
         <p:spPr>
           <a:xfrm>
-            <a:off x="3644894" y="1653406"/>
+            <a:off x="3432623" y="1046528"/>
             <a:ext cx="4902211" cy="3551187"/>
           </a:xfrm>
           <a:prstGeom prst="rect">
